--- a/ipm/robustCPM.pptx
+++ b/ipm/robustCPM.pptx
@@ -454,7 +454,7 @@
           <a:p>
             <a:fld id="{24CF826D-C95F-4D55-8D09-E4081F5815B5}" type="datetimeFigureOut">
               <a:rPr lang="en-US" smtClean="0"/>
-              <a:t>6/29/2021</a:t>
+              <a:t>8/7/2021</a:t>
             </a:fld>
             <a:endParaRPr lang="en-US"/>
           </a:p>
@@ -624,7 +624,7 @@
           <a:p>
             <a:fld id="{24CF826D-C95F-4D55-8D09-E4081F5815B5}" type="datetimeFigureOut">
               <a:rPr lang="en-US" smtClean="0"/>
-              <a:t>6/29/2021</a:t>
+              <a:t>8/7/2021</a:t>
             </a:fld>
             <a:endParaRPr lang="en-US"/>
           </a:p>
@@ -804,7 +804,7 @@
           <a:p>
             <a:fld id="{24CF826D-C95F-4D55-8D09-E4081F5815B5}" type="datetimeFigureOut">
               <a:rPr lang="en-US" smtClean="0"/>
-              <a:t>6/29/2021</a:t>
+              <a:t>8/7/2021</a:t>
             </a:fld>
             <a:endParaRPr lang="en-US"/>
           </a:p>
@@ -974,7 +974,7 @@
           <a:p>
             <a:fld id="{24CF826D-C95F-4D55-8D09-E4081F5815B5}" type="datetimeFigureOut">
               <a:rPr lang="en-US" smtClean="0"/>
-              <a:t>6/29/2021</a:t>
+              <a:t>8/7/2021</a:t>
             </a:fld>
             <a:endParaRPr lang="en-US"/>
           </a:p>
@@ -1220,7 +1220,7 @@
           <a:p>
             <a:fld id="{24CF826D-C95F-4D55-8D09-E4081F5815B5}" type="datetimeFigureOut">
               <a:rPr lang="en-US" smtClean="0"/>
-              <a:t>6/29/2021</a:t>
+              <a:t>8/7/2021</a:t>
             </a:fld>
             <a:endParaRPr lang="en-US"/>
           </a:p>
@@ -1452,7 +1452,7 @@
           <a:p>
             <a:fld id="{24CF826D-C95F-4D55-8D09-E4081F5815B5}" type="datetimeFigureOut">
               <a:rPr lang="en-US" smtClean="0"/>
-              <a:t>6/29/2021</a:t>
+              <a:t>8/7/2021</a:t>
             </a:fld>
             <a:endParaRPr lang="en-US"/>
           </a:p>
@@ -1819,7 +1819,7 @@
           <a:p>
             <a:fld id="{24CF826D-C95F-4D55-8D09-E4081F5815B5}" type="datetimeFigureOut">
               <a:rPr lang="en-US" smtClean="0"/>
-              <a:t>6/29/2021</a:t>
+              <a:t>8/7/2021</a:t>
             </a:fld>
             <a:endParaRPr lang="en-US"/>
           </a:p>
@@ -1937,7 +1937,7 @@
           <a:p>
             <a:fld id="{24CF826D-C95F-4D55-8D09-E4081F5815B5}" type="datetimeFigureOut">
               <a:rPr lang="en-US" smtClean="0"/>
-              <a:t>6/29/2021</a:t>
+              <a:t>8/7/2021</a:t>
             </a:fld>
             <a:endParaRPr lang="en-US"/>
           </a:p>
@@ -2032,7 +2032,7 @@
           <a:p>
             <a:fld id="{24CF826D-C95F-4D55-8D09-E4081F5815B5}" type="datetimeFigureOut">
               <a:rPr lang="en-US" smtClean="0"/>
-              <a:t>6/29/2021</a:t>
+              <a:t>8/7/2021</a:t>
             </a:fld>
             <a:endParaRPr lang="en-US"/>
           </a:p>
@@ -2309,7 +2309,7 @@
           <a:p>
             <a:fld id="{24CF826D-C95F-4D55-8D09-E4081F5815B5}" type="datetimeFigureOut">
               <a:rPr lang="en-US" smtClean="0"/>
-              <a:t>6/29/2021</a:t>
+              <a:t>8/7/2021</a:t>
             </a:fld>
             <a:endParaRPr lang="en-US"/>
           </a:p>
@@ -2562,7 +2562,7 @@
           <a:p>
             <a:fld id="{24CF826D-C95F-4D55-8D09-E4081F5815B5}" type="datetimeFigureOut">
               <a:rPr lang="en-US" smtClean="0"/>
-              <a:t>6/29/2021</a:t>
+              <a:t>8/7/2021</a:t>
             </a:fld>
             <a:endParaRPr lang="en-US"/>
           </a:p>
@@ -2775,7 +2775,7 @@
           <a:p>
             <a:fld id="{24CF826D-C95F-4D55-8D09-E4081F5815B5}" type="datetimeFigureOut">
               <a:rPr lang="en-US" smtClean="0"/>
-              <a:t>6/29/2021</a:t>
+              <a:t>8/7/2021</a:t>
             </a:fld>
             <a:endParaRPr lang="en-US"/>
           </a:p>
@@ -3180,8 +3180,8 @@
           <a:chExt cx="0" cy="0"/>
         </a:xfrm>
       </p:grpSpPr>
-      <mc:AlternateContent xmlns:mc="http://schemas.openxmlformats.org/markup-compatibility/2006">
-        <mc:Choice xmlns:p14="http://schemas.microsoft.com/office/powerpoint/2010/main" Requires="p14">
+      <mc:AlternateContent xmlns:mc="http://schemas.openxmlformats.org/markup-compatibility/2006" xmlns:p14="http://schemas.microsoft.com/office/powerpoint/2010/main">
+        <mc:Choice Requires="p14">
           <p:contentPart p14:bwMode="auto" r:id="rId2">
             <p14:nvContentPartPr>
               <p14:cNvPr id="11" name="Ink 10"/>
@@ -3194,7 +3194,7 @@
             </p14:xfrm>
           </p:contentPart>
         </mc:Choice>
-        <mc:Fallback>
+        <mc:Fallback xmlns="">
           <p:pic>
             <p:nvPicPr>
               <p:cNvPr id="11" name="Ink 10"/>
@@ -3219,8 +3219,8 @@
           </p:pic>
         </mc:Fallback>
       </mc:AlternateContent>
-      <mc:AlternateContent xmlns:mc="http://schemas.openxmlformats.org/markup-compatibility/2006">
-        <mc:Choice xmlns:p14="http://schemas.microsoft.com/office/powerpoint/2010/main" Requires="p14">
+      <mc:AlternateContent xmlns:mc="http://schemas.openxmlformats.org/markup-compatibility/2006" xmlns:p14="http://schemas.microsoft.com/office/powerpoint/2010/main">
+        <mc:Choice Requires="p14">
           <p:contentPart p14:bwMode="auto" r:id="rId4">
             <p14:nvContentPartPr>
               <p14:cNvPr id="13" name="Ink 12"/>
@@ -3233,7 +3233,7 @@
             </p14:xfrm>
           </p:contentPart>
         </mc:Choice>
-        <mc:Fallback>
+        <mc:Fallback xmlns="">
           <p:pic>
             <p:nvPicPr>
               <p:cNvPr id="13" name="Ink 12"/>
@@ -3261,9 +3261,7 @@
       <p:cxnSp>
         <p:nvCxnSpPr>
           <p:cNvPr id="30" name="Curved Connector 29"/>
-          <p:cNvCxnSpPr>
-            <a:stCxn id="55" idx="0"/>
-          </p:cNvCxnSpPr>
+          <p:cNvCxnSpPr/>
           <p:nvPr/>
         </p:nvCxnSpPr>
         <p:spPr>
@@ -3345,8 +3343,8 @@
           </a:p>
         </p:txBody>
       </p:sp>
-      <mc:AlternateContent xmlns:mc="http://schemas.openxmlformats.org/markup-compatibility/2006">
-        <mc:Choice xmlns:p14="http://schemas.microsoft.com/office/powerpoint/2010/main" Requires="p14">
+      <mc:AlternateContent xmlns:mc="http://schemas.openxmlformats.org/markup-compatibility/2006" xmlns:p14="http://schemas.microsoft.com/office/powerpoint/2010/main">
+        <mc:Choice Requires="p14">
           <p:contentPart p14:bwMode="auto" r:id="rId6">
             <p14:nvContentPartPr>
               <p14:cNvPr id="38" name="Ink 37"/>
@@ -3359,7 +3357,7 @@
             </p14:xfrm>
           </p:contentPart>
         </mc:Choice>
-        <mc:Fallback>
+        <mc:Fallback xmlns="">
           <p:pic>
             <p:nvPicPr>
               <p:cNvPr id="38" name="Ink 37"/>
@@ -3384,8 +3382,8 @@
           </p:pic>
         </mc:Fallback>
       </mc:AlternateContent>
-      <mc:AlternateContent xmlns:mc="http://schemas.openxmlformats.org/markup-compatibility/2006">
-        <mc:Choice xmlns:p14="http://schemas.microsoft.com/office/powerpoint/2010/main" Requires="p14">
+      <mc:AlternateContent xmlns:mc="http://schemas.openxmlformats.org/markup-compatibility/2006" xmlns:p14="http://schemas.microsoft.com/office/powerpoint/2010/main">
+        <mc:Choice Requires="p14">
           <p:contentPart p14:bwMode="auto" r:id="rId8">
             <p14:nvContentPartPr>
               <p14:cNvPr id="42" name="Ink 41"/>
@@ -3398,7 +3396,7 @@
             </p14:xfrm>
           </p:contentPart>
         </mc:Choice>
-        <mc:Fallback>
+        <mc:Fallback xmlns="">
           <p:pic>
             <p:nvPicPr>
               <p:cNvPr id="42" name="Ink 41"/>
@@ -3423,8 +3421,8 @@
           </p:pic>
         </mc:Fallback>
       </mc:AlternateContent>
-      <mc:AlternateContent xmlns:mc="http://schemas.openxmlformats.org/markup-compatibility/2006">
-        <mc:Choice xmlns:p14="http://schemas.microsoft.com/office/powerpoint/2010/main" Requires="p14">
+      <mc:AlternateContent xmlns:mc="http://schemas.openxmlformats.org/markup-compatibility/2006" xmlns:p14="http://schemas.microsoft.com/office/powerpoint/2010/main">
+        <mc:Choice Requires="p14">
           <p:contentPart p14:bwMode="auto" r:id="rId10">
             <p14:nvContentPartPr>
               <p14:cNvPr id="52" name="Ink 51"/>
@@ -3437,7 +3435,7 @@
             </p14:xfrm>
           </p:contentPart>
         </mc:Choice>
-        <mc:Fallback>
+        <mc:Fallback xmlns="">
           <p:pic>
             <p:nvPicPr>
               <p:cNvPr id="52" name="Ink 51"/>
@@ -3462,56 +3460,6 @@
           </p:pic>
         </mc:Fallback>
       </mc:AlternateContent>
-      <p:sp>
-        <p:nvSpPr>
-          <p:cNvPr id="55" name="Rectangle 54"/>
-          <p:cNvSpPr/>
-          <p:nvPr/>
-        </p:nvSpPr>
-        <p:spPr>
-          <a:xfrm>
-            <a:off x="2019600" y="740520"/>
-            <a:ext cx="945000" cy="945000"/>
-          </a:xfrm>
-          <a:prstGeom prst="rect">
-            <a:avLst/>
-          </a:prstGeom>
-          <a:noFill/>
-          <a:ln w="33600">
-            <a:solidFill>
-              <a:srgbClr val="92D050"/>
-            </a:solidFill>
-          </a:ln>
-        </p:spPr>
-        <p:style>
-          <a:lnRef idx="2">
-            <a:schemeClr val="accent1">
-              <a:shade val="50000"/>
-            </a:schemeClr>
-          </a:lnRef>
-          <a:fillRef idx="1">
-            <a:schemeClr val="accent1"/>
-          </a:fillRef>
-          <a:effectRef idx="0">
-            <a:schemeClr val="accent1"/>
-          </a:effectRef>
-          <a:fontRef idx="minor">
-            <a:schemeClr val="lt1"/>
-          </a:fontRef>
-        </p:style>
-        <p:txBody>
-          <a:bodyPr rtlCol="0" anchor="ctr"/>
-          <a:lstStyle/>
-          <a:p>
-            <a:pPr algn="ctr"/>
-            <a:endParaRPr lang="en-US">
-              <a:solidFill>
-                <a:srgbClr val="92D050"/>
-              </a:solidFill>
-            </a:endParaRPr>
-          </a:p>
-        </p:txBody>
-      </p:sp>
       <p:sp>
         <p:nvSpPr>
           <p:cNvPr id="56" name="Oval 55"/>
@@ -3564,56 +3512,6 @@
       </p:sp>
       <p:sp>
         <p:nvSpPr>
-          <p:cNvPr id="57" name="Rectangle 56"/>
-          <p:cNvSpPr/>
-          <p:nvPr/>
-        </p:nvSpPr>
-        <p:spPr>
-          <a:xfrm>
-            <a:off x="2110597" y="1301240"/>
-            <a:ext cx="1063913" cy="1102653"/>
-          </a:xfrm>
-          <a:prstGeom prst="rect">
-            <a:avLst/>
-          </a:prstGeom>
-          <a:noFill/>
-          <a:ln w="33600">
-            <a:solidFill>
-              <a:srgbClr val="92D050"/>
-            </a:solidFill>
-          </a:ln>
-        </p:spPr>
-        <p:style>
-          <a:lnRef idx="2">
-            <a:schemeClr val="accent1">
-              <a:shade val="50000"/>
-            </a:schemeClr>
-          </a:lnRef>
-          <a:fillRef idx="1">
-            <a:schemeClr val="accent1"/>
-          </a:fillRef>
-          <a:effectRef idx="0">
-            <a:schemeClr val="accent1"/>
-          </a:effectRef>
-          <a:fontRef idx="minor">
-            <a:schemeClr val="lt1"/>
-          </a:fontRef>
-        </p:style>
-        <p:txBody>
-          <a:bodyPr rtlCol="0" anchor="ctr"/>
-          <a:lstStyle/>
-          <a:p>
-            <a:pPr algn="ctr"/>
-            <a:endParaRPr lang="en-US">
-              <a:solidFill>
-                <a:srgbClr val="92D050"/>
-              </a:solidFill>
-            </a:endParaRPr>
-          </a:p>
-        </p:txBody>
-      </p:sp>
-      <p:sp>
-        <p:nvSpPr>
           <p:cNvPr id="58" name="Oval 57"/>
           <p:cNvSpPr/>
           <p:nvPr/>
@@ -3664,56 +3562,6 @@
       </p:sp>
       <p:sp>
         <p:nvSpPr>
-          <p:cNvPr id="59" name="Rectangle 58"/>
-          <p:cNvSpPr/>
-          <p:nvPr/>
-        </p:nvSpPr>
-        <p:spPr>
-          <a:xfrm>
-            <a:off x="2524665" y="2178266"/>
-            <a:ext cx="946020" cy="921495"/>
-          </a:xfrm>
-          <a:prstGeom prst="rect">
-            <a:avLst/>
-          </a:prstGeom>
-          <a:noFill/>
-          <a:ln w="33600">
-            <a:solidFill>
-              <a:srgbClr val="92D050"/>
-            </a:solidFill>
-          </a:ln>
-        </p:spPr>
-        <p:style>
-          <a:lnRef idx="2">
-            <a:schemeClr val="accent1">
-              <a:shade val="50000"/>
-            </a:schemeClr>
-          </a:lnRef>
-          <a:fillRef idx="1">
-            <a:schemeClr val="accent1"/>
-          </a:fillRef>
-          <a:effectRef idx="0">
-            <a:schemeClr val="accent1"/>
-          </a:effectRef>
-          <a:fontRef idx="minor">
-            <a:schemeClr val="lt1"/>
-          </a:fontRef>
-        </p:style>
-        <p:txBody>
-          <a:bodyPr rtlCol="0" anchor="ctr"/>
-          <a:lstStyle/>
-          <a:p>
-            <a:pPr algn="ctr"/>
-            <a:endParaRPr lang="en-US">
-              <a:solidFill>
-                <a:srgbClr val="92D050"/>
-              </a:solidFill>
-            </a:endParaRPr>
-          </a:p>
-        </p:txBody>
-      </p:sp>
-      <p:sp>
-        <p:nvSpPr>
           <p:cNvPr id="60" name="Oval 59"/>
           <p:cNvSpPr/>
           <p:nvPr/>
@@ -3764,22 +3612,22 @@
       </p:sp>
       <p:sp>
         <p:nvSpPr>
-          <p:cNvPr id="61" name="Rectangle 60"/>
+          <p:cNvPr id="2" name="Parallelogram 1"/>
           <p:cNvSpPr/>
           <p:nvPr/>
         </p:nvSpPr>
         <p:spPr>
           <a:xfrm>
-            <a:off x="3513825" y="3272287"/>
-            <a:ext cx="690109" cy="690114"/>
+            <a:off x="2415424" y="2225615"/>
+            <a:ext cx="1132931" cy="862645"/>
           </a:xfrm>
-          <a:prstGeom prst="rect">
+          <a:prstGeom prst="parallelogram">
             <a:avLst/>
           </a:prstGeom>
           <a:noFill/>
-          <a:ln w="33600">
+          <a:ln w="28575">
             <a:solidFill>
-              <a:srgbClr val="92D050"/>
+              <a:schemeClr val="accent6"/>
             </a:solidFill>
           </a:ln>
         </p:spPr>
@@ -3804,11 +3652,145 @@
           <a:lstStyle/>
           <a:p>
             <a:pPr algn="ctr"/>
-            <a:endParaRPr lang="en-US">
-              <a:solidFill>
-                <a:srgbClr val="92D050"/>
-              </a:solidFill>
-            </a:endParaRPr>
+            <a:endParaRPr lang="en-US"/>
+          </a:p>
+        </p:txBody>
+      </p:sp>
+      <p:sp>
+        <p:nvSpPr>
+          <p:cNvPr id="17" name="Parallelogram 16"/>
+          <p:cNvSpPr/>
+          <p:nvPr/>
+        </p:nvSpPr>
+        <p:spPr>
+          <a:xfrm>
+            <a:off x="3387306" y="3260785"/>
+            <a:ext cx="908649" cy="707366"/>
+          </a:xfrm>
+          <a:prstGeom prst="parallelogram">
+            <a:avLst/>
+          </a:prstGeom>
+          <a:noFill/>
+          <a:ln w="28575">
+            <a:solidFill>
+              <a:schemeClr val="accent6"/>
+            </a:solidFill>
+          </a:ln>
+        </p:spPr>
+        <p:style>
+          <a:lnRef idx="2">
+            <a:schemeClr val="accent1">
+              <a:shade val="50000"/>
+            </a:schemeClr>
+          </a:lnRef>
+          <a:fillRef idx="1">
+            <a:schemeClr val="accent1"/>
+          </a:fillRef>
+          <a:effectRef idx="0">
+            <a:schemeClr val="accent1"/>
+          </a:effectRef>
+          <a:fontRef idx="minor">
+            <a:schemeClr val="lt1"/>
+          </a:fontRef>
+        </p:style>
+        <p:txBody>
+          <a:bodyPr rtlCol="0" anchor="ctr"/>
+          <a:lstStyle/>
+          <a:p>
+            <a:pPr algn="ctr"/>
+            <a:endParaRPr lang="en-US"/>
+          </a:p>
+        </p:txBody>
+      </p:sp>
+      <p:sp>
+        <p:nvSpPr>
+          <p:cNvPr id="18" name="Parallelogram 17"/>
+          <p:cNvSpPr/>
+          <p:nvPr/>
+        </p:nvSpPr>
+        <p:spPr>
+          <a:xfrm>
+            <a:off x="1880559" y="718869"/>
+            <a:ext cx="1219226" cy="954670"/>
+          </a:xfrm>
+          <a:prstGeom prst="parallelogram">
+            <a:avLst/>
+          </a:prstGeom>
+          <a:noFill/>
+          <a:ln w="28575">
+            <a:solidFill>
+              <a:schemeClr val="accent6"/>
+            </a:solidFill>
+          </a:ln>
+        </p:spPr>
+        <p:style>
+          <a:lnRef idx="2">
+            <a:schemeClr val="accent1">
+              <a:shade val="50000"/>
+            </a:schemeClr>
+          </a:lnRef>
+          <a:fillRef idx="1">
+            <a:schemeClr val="accent1"/>
+          </a:fillRef>
+          <a:effectRef idx="0">
+            <a:schemeClr val="accent1"/>
+          </a:effectRef>
+          <a:fontRef idx="minor">
+            <a:schemeClr val="lt1"/>
+          </a:fontRef>
+        </p:style>
+        <p:txBody>
+          <a:bodyPr rtlCol="0" anchor="ctr"/>
+          <a:lstStyle/>
+          <a:p>
+            <a:pPr algn="ctr"/>
+            <a:endParaRPr lang="en-US"/>
+          </a:p>
+        </p:txBody>
+      </p:sp>
+      <p:sp>
+        <p:nvSpPr>
+          <p:cNvPr id="19" name="Parallelogram 18"/>
+          <p:cNvSpPr/>
+          <p:nvPr/>
+        </p:nvSpPr>
+        <p:spPr>
+          <a:xfrm>
+            <a:off x="1906473" y="1311215"/>
+            <a:ext cx="1411822" cy="1026550"/>
+          </a:xfrm>
+          <a:prstGeom prst="parallelogram">
+            <a:avLst/>
+          </a:prstGeom>
+          <a:noFill/>
+          <a:ln w="28575">
+            <a:solidFill>
+              <a:schemeClr val="accent6"/>
+            </a:solidFill>
+          </a:ln>
+        </p:spPr>
+        <p:style>
+          <a:lnRef idx="2">
+            <a:schemeClr val="accent1">
+              <a:shade val="50000"/>
+            </a:schemeClr>
+          </a:lnRef>
+          <a:fillRef idx="1">
+            <a:schemeClr val="accent1"/>
+          </a:fillRef>
+          <a:effectRef idx="0">
+            <a:schemeClr val="accent1"/>
+          </a:effectRef>
+          <a:fontRef idx="minor">
+            <a:schemeClr val="lt1"/>
+          </a:fontRef>
+        </p:style>
+        <p:txBody>
+          <a:bodyPr rtlCol="0" anchor="ctr"/>
+          <a:lstStyle/>
+          <a:p>
+            <a:pPr algn="ctr"/>
+            <a:endParaRPr lang="en-US"/>
           </a:p>
         </p:txBody>
       </p:sp>
